--- a/docs/images/footer_logo.pptx
+++ b/docs/images/footer_logo.pptx
@@ -3361,7 +3361,7 @@
         </p:nvSpPr>
         <p:spPr>
           <a:xfrm>
-            <a:off x="2298819" y="2144994"/>
+            <a:off x="1897166" y="1999715"/>
             <a:ext cx="8562886" cy="2392823"/>
           </a:xfrm>
           <a:prstGeom prst="rect">
@@ -3395,19 +3395,15 @@
             </a:r>
             <a:r>
               <a:rPr lang="en-AU" dirty="0"/>
-              <a:t> still working on a footer logo, leave </a:t>
-            </a:r>
-            <a:r>
-              <a:rPr lang="en-AU"/>
-              <a:t>me alone </a:t>
-            </a:r>
-            <a:r>
-              <a:rPr lang="en-AU">
+              <a:t> still working on a footer logo, leave me alone </a:t>
+            </a:r>
+            <a:r>
+              <a:rPr lang="en-AU" dirty="0">
                 <a:sym typeface="Wingdings" panose="05000000000000000000" pitchFamily="2" charset="2"/>
               </a:rPr>
               <a:t></a:t>
             </a:r>
-            <a:endParaRPr lang="en-AU"/>
+            <a:endParaRPr lang="en-AU" dirty="0"/>
           </a:p>
         </p:txBody>
       </p:sp>

--- a/docs/images/footer_logo.pptx
+++ b/docs/images/footer_logo.pptx
@@ -3367,6 +3367,14 @@
           <a:prstGeom prst="rect">
             <a:avLst/>
           </a:prstGeom>
+          <a:solidFill>
+            <a:srgbClr val="00252A"/>
+          </a:solidFill>
+          <a:ln>
+            <a:solidFill>
+              <a:srgbClr val="000000"/>
+            </a:solidFill>
+          </a:ln>
         </p:spPr>
         <p:style>
           <a:lnRef idx="2">
@@ -3390,12 +3398,8 @@
           <a:p>
             <a:pPr algn="ctr"/>
             <a:r>
-              <a:rPr lang="en-AU" dirty="0" err="1"/>
-              <a:t>Im</a:t>
-            </a:r>
-            <a:r>
               <a:rPr lang="en-AU" dirty="0"/>
-              <a:t> still working on a footer logo, leave me alone </a:t>
+              <a:t>I’m still working on a footer logo, leave me alone </a:t>
             </a:r>
             <a:r>
               <a:rPr lang="en-AU" dirty="0">
